--- a/powerpoint/Présentation1_Ben.pptx
+++ b/powerpoint/Présentation1_Ben.pptx
@@ -5,7 +5,7 @@
     <p:sldMasterId id="2147483648" r:id="rId1"/>
   </p:sldMasterIdLst>
   <p:notesMasterIdLst>
-    <p:notesMasterId r:id="rId22"/>
+    <p:notesMasterId r:id="rId27"/>
   </p:notesMasterIdLst>
   <p:sldIdLst>
     <p:sldId id="256" r:id="rId2"/>
@@ -24,10 +24,15 @@
     <p:sldId id="273" r:id="rId15"/>
     <p:sldId id="274" r:id="rId16"/>
     <p:sldId id="270" r:id="rId17"/>
-    <p:sldId id="260" r:id="rId18"/>
-    <p:sldId id="264" r:id="rId19"/>
-    <p:sldId id="265" r:id="rId20"/>
-    <p:sldId id="261" r:id="rId21"/>
+    <p:sldId id="276" r:id="rId18"/>
+    <p:sldId id="280" r:id="rId19"/>
+    <p:sldId id="281" r:id="rId20"/>
+    <p:sldId id="277" r:id="rId21"/>
+    <p:sldId id="278" r:id="rId22"/>
+    <p:sldId id="260" r:id="rId23"/>
+    <p:sldId id="264" r:id="rId24"/>
+    <p:sldId id="265" r:id="rId25"/>
+    <p:sldId id="261" r:id="rId26"/>
   </p:sldIdLst>
   <p:sldSz cx="9144000" cy="6858000" type="screen4x3"/>
   <p:notesSz cx="6858000" cy="9144000"/>
@@ -839,6 +844,448 @@
 </p:notes>
 </file>
 
+<file path=ppt/notesSlides/notesSlide10.xml><?xml version="1.0" encoding="utf-8"?>
+<p:notes xmlns:a="http://schemas.openxmlformats.org/drawingml/2006/main" xmlns:r="http://schemas.openxmlformats.org/officeDocument/2006/relationships" xmlns:p="http://schemas.openxmlformats.org/presentationml/2006/main">
+  <p:cSld>
+    <p:spTree>
+      <p:nvGrpSpPr>
+        <p:cNvPr id="1" name=""/>
+        <p:cNvGrpSpPr/>
+        <p:nvPr/>
+      </p:nvGrpSpPr>
+      <p:grpSpPr>
+        <a:xfrm>
+          <a:off x="0" y="0"/>
+          <a:ext cx="0" cy="0"/>
+          <a:chOff x="0" y="0"/>
+          <a:chExt cx="0" cy="0"/>
+        </a:xfrm>
+      </p:grpSpPr>
+      <p:sp>
+        <p:nvSpPr>
+          <p:cNvPr id="2" name="Espace réservé de l'image des diapositives 1"/>
+          <p:cNvSpPr>
+            <a:spLocks noGrp="1" noRot="1" noChangeAspect="1"/>
+          </p:cNvSpPr>
+          <p:nvPr>
+            <p:ph type="sldImg"/>
+          </p:nvPr>
+        </p:nvSpPr>
+        <p:spPr/>
+      </p:sp>
+      <p:sp>
+        <p:nvSpPr>
+          <p:cNvPr id="3" name="Espace réservé des commentaires 2"/>
+          <p:cNvSpPr>
+            <a:spLocks noGrp="1"/>
+          </p:cNvSpPr>
+          <p:nvPr>
+            <p:ph type="body" idx="1"/>
+          </p:nvPr>
+        </p:nvSpPr>
+        <p:spPr/>
+        <p:txBody>
+          <a:bodyPr/>
+          <a:lstStyle/>
+          <a:p>
+            <a:r>
+              <a:rPr lang="fr-BE" dirty="0" smtClean="0"/>
+              <a:t>rotX(), rotY(), rotZ(), set() -&gt; annulation de</a:t>
+            </a:r>
+            <a:r>
+              <a:rPr lang="fr-BE" baseline="0" dirty="0" smtClean="0"/>
+              <a:t> de tout (rotation, translation,..)</a:t>
+            </a:r>
+          </a:p>
+          <a:p>
+            <a:endParaRPr lang="fr-BE" baseline="0" dirty="0" smtClean="0"/>
+          </a:p>
+          <a:p>
+            <a:endParaRPr lang="fr-BE" dirty="0"/>
+          </a:p>
+        </p:txBody>
+      </p:sp>
+      <p:sp>
+        <p:nvSpPr>
+          <p:cNvPr id="4" name="Espace réservé du numéro de diapositive 3"/>
+          <p:cNvSpPr>
+            <a:spLocks noGrp="1"/>
+          </p:cNvSpPr>
+          <p:nvPr>
+            <p:ph type="sldNum" sz="quarter" idx="10"/>
+          </p:nvPr>
+        </p:nvSpPr>
+        <p:spPr/>
+        <p:txBody>
+          <a:bodyPr/>
+          <a:lstStyle/>
+          <a:p>
+            <a:fld id="{F9B9F26C-5E20-463A-A30E-4B3CD8C634F9}" type="slidenum">
+              <a:rPr lang="en-US" smtClean="0"/>
+              <a:t>18</a:t>
+            </a:fld>
+            <a:endParaRPr lang="en-US"/>
+          </a:p>
+        </p:txBody>
+      </p:sp>
+    </p:spTree>
+    <p:extLst>
+      <p:ext uri="{BB962C8B-B14F-4D97-AF65-F5344CB8AC3E}">
+        <p14:creationId xmlns:p14="http://schemas.microsoft.com/office/powerpoint/2010/main" val="3137523800"/>
+      </p:ext>
+    </p:extLst>
+  </p:cSld>
+  <p:clrMapOvr>
+    <a:masterClrMapping/>
+  </p:clrMapOvr>
+</p:notes>
+</file>
+
+<file path=ppt/notesSlides/notesSlide11.xml><?xml version="1.0" encoding="utf-8"?>
+<p:notes xmlns:a="http://schemas.openxmlformats.org/drawingml/2006/main" xmlns:r="http://schemas.openxmlformats.org/officeDocument/2006/relationships" xmlns:p="http://schemas.openxmlformats.org/presentationml/2006/main">
+  <p:cSld>
+    <p:spTree>
+      <p:nvGrpSpPr>
+        <p:cNvPr id="1" name=""/>
+        <p:cNvGrpSpPr/>
+        <p:nvPr/>
+      </p:nvGrpSpPr>
+      <p:grpSpPr>
+        <a:xfrm>
+          <a:off x="0" y="0"/>
+          <a:ext cx="0" cy="0"/>
+          <a:chOff x="0" y="0"/>
+          <a:chExt cx="0" cy="0"/>
+        </a:xfrm>
+      </p:grpSpPr>
+      <p:sp>
+        <p:nvSpPr>
+          <p:cNvPr id="2" name="Espace réservé de l'image des diapositives 1"/>
+          <p:cNvSpPr>
+            <a:spLocks noGrp="1" noRot="1" noChangeAspect="1"/>
+          </p:cNvSpPr>
+          <p:nvPr>
+            <p:ph type="sldImg"/>
+          </p:nvPr>
+        </p:nvSpPr>
+        <p:spPr/>
+      </p:sp>
+      <p:sp>
+        <p:nvSpPr>
+          <p:cNvPr id="3" name="Espace réservé des commentaires 2"/>
+          <p:cNvSpPr>
+            <a:spLocks noGrp="1"/>
+          </p:cNvSpPr>
+          <p:nvPr>
+            <p:ph type="body" idx="1"/>
+          </p:nvPr>
+        </p:nvSpPr>
+        <p:spPr/>
+        <p:txBody>
+          <a:bodyPr/>
+          <a:lstStyle/>
+          <a:p>
+            <a:endParaRPr lang="fr-BE" dirty="0"/>
+          </a:p>
+        </p:txBody>
+      </p:sp>
+      <p:sp>
+        <p:nvSpPr>
+          <p:cNvPr id="4" name="Espace réservé du numéro de diapositive 3"/>
+          <p:cNvSpPr>
+            <a:spLocks noGrp="1"/>
+          </p:cNvSpPr>
+          <p:nvPr>
+            <p:ph type="sldNum" sz="quarter" idx="10"/>
+          </p:nvPr>
+        </p:nvSpPr>
+        <p:spPr/>
+        <p:txBody>
+          <a:bodyPr/>
+          <a:lstStyle/>
+          <a:p>
+            <a:fld id="{F9B9F26C-5E20-463A-A30E-4B3CD8C634F9}" type="slidenum">
+              <a:rPr lang="en-US" smtClean="0"/>
+              <a:t>19</a:t>
+            </a:fld>
+            <a:endParaRPr lang="en-US"/>
+          </a:p>
+        </p:txBody>
+      </p:sp>
+    </p:spTree>
+    <p:extLst>
+      <p:ext uri="{BB962C8B-B14F-4D97-AF65-F5344CB8AC3E}">
+        <p14:creationId xmlns:p14="http://schemas.microsoft.com/office/powerpoint/2010/main" val="3875412840"/>
+      </p:ext>
+    </p:extLst>
+  </p:cSld>
+  <p:clrMapOvr>
+    <a:masterClrMapping/>
+  </p:clrMapOvr>
+</p:notes>
+</file>
+
+<file path=ppt/notesSlides/notesSlide12.xml><?xml version="1.0" encoding="utf-8"?>
+<p:notes xmlns:a="http://schemas.openxmlformats.org/drawingml/2006/main" xmlns:r="http://schemas.openxmlformats.org/officeDocument/2006/relationships" xmlns:p="http://schemas.openxmlformats.org/presentationml/2006/main">
+  <p:cSld>
+    <p:spTree>
+      <p:nvGrpSpPr>
+        <p:cNvPr id="1" name=""/>
+        <p:cNvGrpSpPr/>
+        <p:nvPr/>
+      </p:nvGrpSpPr>
+      <p:grpSpPr>
+        <a:xfrm>
+          <a:off x="0" y="0"/>
+          <a:ext cx="0" cy="0"/>
+          <a:chOff x="0" y="0"/>
+          <a:chExt cx="0" cy="0"/>
+        </a:xfrm>
+      </p:grpSpPr>
+      <p:sp>
+        <p:nvSpPr>
+          <p:cNvPr id="2" name="Espace réservé de l'image des diapositives 1"/>
+          <p:cNvSpPr>
+            <a:spLocks noGrp="1" noRot="1" noChangeAspect="1"/>
+          </p:cNvSpPr>
+          <p:nvPr>
+            <p:ph type="sldImg"/>
+          </p:nvPr>
+        </p:nvSpPr>
+        <p:spPr/>
+      </p:sp>
+      <p:sp>
+        <p:nvSpPr>
+          <p:cNvPr id="3" name="Espace réservé des commentaires 2"/>
+          <p:cNvSpPr>
+            <a:spLocks noGrp="1"/>
+          </p:cNvSpPr>
+          <p:nvPr>
+            <p:ph type="body" idx="1"/>
+          </p:nvPr>
+        </p:nvSpPr>
+        <p:spPr/>
+        <p:txBody>
+          <a:bodyPr/>
+          <a:lstStyle/>
+          <a:p>
+            <a:endParaRPr lang="fr-BE" dirty="0"/>
+          </a:p>
+        </p:txBody>
+      </p:sp>
+      <p:sp>
+        <p:nvSpPr>
+          <p:cNvPr id="4" name="Espace réservé du numéro de diapositive 3"/>
+          <p:cNvSpPr>
+            <a:spLocks noGrp="1"/>
+          </p:cNvSpPr>
+          <p:nvPr>
+            <p:ph type="sldNum" sz="quarter" idx="10"/>
+          </p:nvPr>
+        </p:nvSpPr>
+        <p:spPr/>
+        <p:txBody>
+          <a:bodyPr/>
+          <a:lstStyle/>
+          <a:p>
+            <a:fld id="{F9B9F26C-5E20-463A-A30E-4B3CD8C634F9}" type="slidenum">
+              <a:rPr lang="en-US" smtClean="0"/>
+              <a:t>20</a:t>
+            </a:fld>
+            <a:endParaRPr lang="en-US"/>
+          </a:p>
+        </p:txBody>
+      </p:sp>
+    </p:spTree>
+    <p:extLst>
+      <p:ext uri="{BB962C8B-B14F-4D97-AF65-F5344CB8AC3E}">
+        <p14:creationId xmlns:p14="http://schemas.microsoft.com/office/powerpoint/2010/main" val="2668240802"/>
+      </p:ext>
+    </p:extLst>
+  </p:cSld>
+  <p:clrMapOvr>
+    <a:masterClrMapping/>
+  </p:clrMapOvr>
+</p:notes>
+</file>
+
+<file path=ppt/notesSlides/notesSlide13.xml><?xml version="1.0" encoding="utf-8"?>
+<p:notes xmlns:a="http://schemas.openxmlformats.org/drawingml/2006/main" xmlns:r="http://schemas.openxmlformats.org/officeDocument/2006/relationships" xmlns:p="http://schemas.openxmlformats.org/presentationml/2006/main">
+  <p:cSld>
+    <p:spTree>
+      <p:nvGrpSpPr>
+        <p:cNvPr id="1" name=""/>
+        <p:cNvGrpSpPr/>
+        <p:nvPr/>
+      </p:nvGrpSpPr>
+      <p:grpSpPr>
+        <a:xfrm>
+          <a:off x="0" y="0"/>
+          <a:ext cx="0" cy="0"/>
+          <a:chOff x="0" y="0"/>
+          <a:chExt cx="0" cy="0"/>
+        </a:xfrm>
+      </p:grpSpPr>
+      <p:sp>
+        <p:nvSpPr>
+          <p:cNvPr id="2" name="Espace réservé de l'image des diapositives 1"/>
+          <p:cNvSpPr>
+            <a:spLocks noGrp="1" noRot="1" noChangeAspect="1"/>
+          </p:cNvSpPr>
+          <p:nvPr>
+            <p:ph type="sldImg"/>
+          </p:nvPr>
+        </p:nvSpPr>
+        <p:spPr/>
+      </p:sp>
+      <p:sp>
+        <p:nvSpPr>
+          <p:cNvPr id="3" name="Espace réservé des commentaires 2"/>
+          <p:cNvSpPr>
+            <a:spLocks noGrp="1"/>
+          </p:cNvSpPr>
+          <p:nvPr>
+            <p:ph type="body" idx="1"/>
+          </p:nvPr>
+        </p:nvSpPr>
+        <p:spPr/>
+        <p:txBody>
+          <a:bodyPr/>
+          <a:lstStyle/>
+          <a:p>
+            <a:endParaRPr lang="fr-BE" dirty="0"/>
+          </a:p>
+        </p:txBody>
+      </p:sp>
+      <p:sp>
+        <p:nvSpPr>
+          <p:cNvPr id="4" name="Espace réservé du numéro de diapositive 3"/>
+          <p:cNvSpPr>
+            <a:spLocks noGrp="1"/>
+          </p:cNvSpPr>
+          <p:nvPr>
+            <p:ph type="sldNum" sz="quarter" idx="10"/>
+          </p:nvPr>
+        </p:nvSpPr>
+        <p:spPr/>
+        <p:txBody>
+          <a:bodyPr/>
+          <a:lstStyle/>
+          <a:p>
+            <a:fld id="{F9B9F26C-5E20-463A-A30E-4B3CD8C634F9}" type="slidenum">
+              <a:rPr lang="en-US" smtClean="0"/>
+              <a:t>21</a:t>
+            </a:fld>
+            <a:endParaRPr lang="en-US"/>
+          </a:p>
+        </p:txBody>
+      </p:sp>
+    </p:spTree>
+    <p:extLst>
+      <p:ext uri="{BB962C8B-B14F-4D97-AF65-F5344CB8AC3E}">
+        <p14:creationId xmlns:p14="http://schemas.microsoft.com/office/powerpoint/2010/main" val="1165866665"/>
+      </p:ext>
+    </p:extLst>
+  </p:cSld>
+  <p:clrMapOvr>
+    <a:masterClrMapping/>
+  </p:clrMapOvr>
+</p:notes>
+</file>
+
+<file path=ppt/notesSlides/notesSlide14.xml><?xml version="1.0" encoding="utf-8"?>
+<p:notes xmlns:a="http://schemas.openxmlformats.org/drawingml/2006/main" xmlns:r="http://schemas.openxmlformats.org/officeDocument/2006/relationships" xmlns:p="http://schemas.openxmlformats.org/presentationml/2006/main">
+  <p:cSld>
+    <p:spTree>
+      <p:nvGrpSpPr>
+        <p:cNvPr id="1" name=""/>
+        <p:cNvGrpSpPr/>
+        <p:nvPr/>
+      </p:nvGrpSpPr>
+      <p:grpSpPr>
+        <a:xfrm>
+          <a:off x="0" y="0"/>
+          <a:ext cx="0" cy="0"/>
+          <a:chOff x="0" y="0"/>
+          <a:chExt cx="0" cy="0"/>
+        </a:xfrm>
+      </p:grpSpPr>
+      <p:sp>
+        <p:nvSpPr>
+          <p:cNvPr id="2" name="Slide Image Placeholder 1"/>
+          <p:cNvSpPr>
+            <a:spLocks noGrp="1" noRot="1" noChangeAspect="1"/>
+          </p:cNvSpPr>
+          <p:nvPr>
+            <p:ph type="sldImg"/>
+          </p:nvPr>
+        </p:nvSpPr>
+        <p:spPr/>
+      </p:sp>
+      <p:sp>
+        <p:nvSpPr>
+          <p:cNvPr id="3" name="Notes Placeholder 2"/>
+          <p:cNvSpPr>
+            <a:spLocks noGrp="1"/>
+          </p:cNvSpPr>
+          <p:nvPr>
+            <p:ph type="body" idx="1"/>
+          </p:nvPr>
+        </p:nvSpPr>
+        <p:spPr/>
+        <p:txBody>
+          <a:bodyPr/>
+          <a:lstStyle/>
+          <a:p>
+            <a:endParaRPr lang="en-US" dirty="0"/>
+          </a:p>
+        </p:txBody>
+      </p:sp>
+      <p:sp>
+        <p:nvSpPr>
+          <p:cNvPr id="4" name="Slide Number Placeholder 3"/>
+          <p:cNvSpPr>
+            <a:spLocks noGrp="1"/>
+          </p:cNvSpPr>
+          <p:nvPr>
+            <p:ph type="sldNum" sz="quarter" idx="10"/>
+          </p:nvPr>
+        </p:nvSpPr>
+        <p:spPr/>
+        <p:txBody>
+          <a:bodyPr/>
+          <a:lstStyle/>
+          <a:p>
+            <a:fld id="{C946254F-9338-4BA9-B7AC-A66622A3D013}" type="slidenum">
+              <a:rPr lang="en-US" smtClean="0">
+                <a:solidFill>
+                  <a:prstClr val="black"/>
+                </a:solidFill>
+              </a:rPr>
+              <a:pPr/>
+              <a:t>25</a:t>
+            </a:fld>
+            <a:endParaRPr lang="en-US">
+              <a:solidFill>
+                <a:prstClr val="black"/>
+              </a:solidFill>
+            </a:endParaRPr>
+          </a:p>
+        </p:txBody>
+      </p:sp>
+    </p:spTree>
+    <p:extLst>
+      <p:ext uri="{BB962C8B-B14F-4D97-AF65-F5344CB8AC3E}">
+        <p14:creationId xmlns:p14="http://schemas.microsoft.com/office/powerpoint/2010/main" val="1050090777"/>
+      </p:ext>
+    </p:extLst>
+  </p:cSld>
+  <p:clrMapOvr>
+    <a:masterClrMapping/>
+  </p:clrMapOvr>
+</p:notes>
+</file>
+
 <file path=ppt/notesSlides/notesSlide2.xml><?xml version="1.0" encoding="utf-8"?>
 <p:notes xmlns:a="http://schemas.openxmlformats.org/drawingml/2006/main" xmlns:r="http://schemas.openxmlformats.org/officeDocument/2006/relationships" xmlns:p="http://schemas.openxmlformats.org/presentationml/2006/main">
   <p:cSld>
@@ -1682,8 +2129,42 @@
           <a:p>
             <a:r>
               <a:rPr lang="fr-BE" dirty="0" smtClean="0"/>
-              <a:t>Les formes de base dérivent de Primitive</a:t>
-            </a:r>
+              <a:t>- Les </a:t>
+            </a:r>
+            <a:r>
+              <a:rPr lang="fr-BE" dirty="0" smtClean="0"/>
+              <a:t>formes de base dérivent de </a:t>
+            </a:r>
+            <a:r>
+              <a:rPr lang="fr-BE" dirty="0" smtClean="0"/>
+              <a:t>Primitive</a:t>
+            </a:r>
+          </a:p>
+          <a:p>
+            <a:r>
+              <a:rPr lang="fr-BE" dirty="0" smtClean="0"/>
+              <a:t>Couleur noire par défaut</a:t>
+            </a:r>
+          </a:p>
+          <a:p>
+            <a:r>
+              <a:rPr lang="fr-BE" baseline="0" dirty="0" smtClean="0"/>
+              <a:t>Box : chaque face = Shape3D</a:t>
+            </a:r>
+          </a:p>
+          <a:p>
+            <a:r>
+              <a:rPr lang="fr-BE" baseline="0" dirty="0" smtClean="0"/>
+              <a:t>Cylindre : 3 Shape3D : disque haut, disque bas, corps</a:t>
+            </a:r>
+          </a:p>
+          <a:p>
+            <a:r>
+              <a:rPr lang="fr-BE" baseline="0" dirty="0" smtClean="0"/>
+              <a:t>Cone : 2Shape 3D : base, corps</a:t>
+            </a:r>
+          </a:p>
+          <a:p>
             <a:endParaRPr lang="fr-BE" baseline="0" dirty="0" smtClean="0"/>
           </a:p>
           <a:p>
@@ -1774,6 +2255,41 @@
           <a:bodyPr/>
           <a:lstStyle/>
           <a:p>
+            <a:r>
+              <a:rPr lang="fr-BE" baseline="0" dirty="0" smtClean="0"/>
+              <a:t>On passe à la Geometry le tableau des points et des couleurs</a:t>
+            </a:r>
+          </a:p>
+          <a:p>
+            <a:endParaRPr lang="fr-BE" baseline="0" dirty="0" smtClean="0"/>
+          </a:p>
+          <a:p>
+            <a:r>
+              <a:rPr lang="fr-BE" baseline="0" dirty="0" smtClean="0"/>
+              <a:t>!! Ordre des points… pour que facette visible face utilisateur </a:t>
+            </a:r>
+            <a:r>
+              <a:rPr lang="fr-BE" baseline="0" dirty="0" smtClean="0">
+                <a:sym typeface="Wingdings" panose="05000000000000000000" pitchFamily="2" charset="2"/>
+              </a:rPr>
+              <a:t> points énumérés en sens inverse des aiguilles d’une montre</a:t>
+            </a:r>
+          </a:p>
+          <a:p>
+            <a:r>
+              <a:rPr lang="fr-BE" baseline="0" dirty="0" smtClean="0">
+                <a:sym typeface="Wingdings" panose="05000000000000000000" pitchFamily="2" charset="2"/>
+              </a:rPr>
+              <a:t>Si la couleur des commets d’une face est la même  couleur unie</a:t>
+            </a:r>
+          </a:p>
+          <a:p>
+            <a:r>
+              <a:rPr lang="fr-BE" baseline="0" dirty="0" smtClean="0">
+                <a:sym typeface="Wingdings" panose="05000000000000000000" pitchFamily="2" charset="2"/>
+              </a:rPr>
+              <a:t>Sinon  dégradé</a:t>
+            </a:r>
             <a:endParaRPr lang="fr-BE" baseline="0" dirty="0" smtClean="0"/>
           </a:p>
         </p:txBody>
@@ -1858,7 +2374,7 @@
           <a:bodyPr/>
           <a:lstStyle/>
           <a:p>
-            <a:endParaRPr lang="en-US" dirty="0"/>
+            <a:endParaRPr lang="fr-BE" baseline="0" dirty="0" smtClean="0"/>
           </a:p>
         </p:txBody>
       </p:sp>
@@ -1877,27 +2393,18 @@
           <a:bodyPr/>
           <a:lstStyle/>
           <a:p>
-            <a:fld id="{C946254F-9338-4BA9-B7AC-A66622A3D013}" type="slidenum">
-              <a:rPr lang="en-US" smtClean="0">
-                <a:solidFill>
-                  <a:prstClr val="black"/>
-                </a:solidFill>
-              </a:rPr>
-              <a:pPr/>
-              <a:t>20</a:t>
+            <a:fld id="{F9B9F26C-5E20-463A-A30E-4B3CD8C634F9}" type="slidenum">
+              <a:rPr lang="en-US" smtClean="0"/>
+              <a:t>17</a:t>
             </a:fld>
-            <a:endParaRPr lang="en-US">
-              <a:solidFill>
-                <a:prstClr val="black"/>
-              </a:solidFill>
-            </a:endParaRPr>
+            <a:endParaRPr lang="en-US"/>
           </a:p>
         </p:txBody>
       </p:sp>
     </p:spTree>
     <p:extLst>
       <p:ext uri="{BB962C8B-B14F-4D97-AF65-F5344CB8AC3E}">
-        <p14:creationId xmlns:p14="http://schemas.microsoft.com/office/powerpoint/2010/main" val="1050090777"/>
+        <p14:creationId xmlns:p14="http://schemas.microsoft.com/office/powerpoint/2010/main" val="3585284439"/>
       </p:ext>
     </p:extLst>
   </p:cSld>
@@ -6250,7 +6757,11 @@
           <a:p>
             <a:r>
               <a:rPr lang="fr-BE" dirty="0" smtClean="0"/>
-              <a:t>Création formes complexes</a:t>
+              <a:t>Formes </a:t>
+            </a:r>
+            <a:r>
+              <a:rPr lang="fr-BE" dirty="0" smtClean="0"/>
+              <a:t>complexes</a:t>
             </a:r>
             <a:endParaRPr lang="fr-BE" dirty="0"/>
           </a:p>
@@ -6280,14 +6791,36 @@
           <a:p>
             <a:r>
               <a:rPr lang="fr-BE" dirty="0" smtClean="0"/>
-              <a:t>Créer une Shape3d</a:t>
-            </a:r>
-          </a:p>
-          <a:p>
+              <a:t>Créer une </a:t>
+            </a:r>
             <a:r>
               <a:rPr lang="fr-BE" dirty="0" smtClean="0"/>
-              <a:t>Créer une Geometry</a:t>
-            </a:r>
+              <a:t>Shape3d</a:t>
+            </a:r>
+          </a:p>
+          <a:p>
+            <a:r>
+              <a:rPr lang="fr-BE" dirty="0" smtClean="0"/>
+              <a:t>Créer un tableau de points (sommets)</a:t>
+            </a:r>
+          </a:p>
+          <a:p>
+            <a:r>
+              <a:rPr lang="fr-BE" dirty="0" smtClean="0"/>
+              <a:t>Créer un tableau de couleurs (1 par sommet)</a:t>
+            </a:r>
+            <a:endParaRPr lang="fr-BE" dirty="0" smtClean="0"/>
+          </a:p>
+          <a:p>
+            <a:r>
+              <a:rPr lang="fr-BE" dirty="0" smtClean="0"/>
+              <a:t>Créer une </a:t>
+            </a:r>
+            <a:r>
+              <a:rPr lang="fr-BE" dirty="0" smtClean="0"/>
+              <a:t>Geometry</a:t>
+            </a:r>
+            <a:endParaRPr lang="fr-BE" dirty="0" smtClean="0"/>
           </a:p>
           <a:p>
             <a:pPr lvl="1"/>
@@ -6336,12 +6869,6 @@
             <a:r>
               <a:rPr lang="fr-BE" dirty="0" smtClean="0"/>
               <a:t>TriangleFanArray</a:t>
-            </a:r>
-          </a:p>
-          <a:p>
-            <a:r>
-              <a:rPr lang="fr-BE" dirty="0" smtClean="0"/>
-              <a:t>Possibilité de réutiliser certains points (géométrie indicée) -&gt; optimisation mémoire</a:t>
             </a:r>
           </a:p>
         </p:txBody>
@@ -6378,7 +6905,7 @@
       </p:grpSpPr>
       <p:sp>
         <p:nvSpPr>
-          <p:cNvPr id="2" name="Titre 1"/>
+          <p:cNvPr id="7" name="Title 2"/>
           <p:cNvSpPr>
             <a:spLocks noGrp="1"/>
           </p:cNvSpPr>
@@ -6386,34 +6913,97 @@
             <p:ph type="title"/>
           </p:nvPr>
         </p:nvSpPr>
-        <p:spPr/>
-        <p:txBody>
-          <a:bodyPr/>
-          <a:lstStyle/>
-          <a:p>
+        <p:spPr>
+          <a:xfrm>
+            <a:off x="2205072" y="205442"/>
+            <a:ext cx="3512215" cy="763525"/>
+          </a:xfrm>
+        </p:spPr>
+        <p:txBody>
+          <a:bodyPr>
+            <a:normAutofit fontScale="90000"/>
+          </a:bodyPr>
+          <a:lstStyle/>
+          <a:p>
+            <a:r>
+              <a:rPr lang="fr-BE" dirty="0" smtClean="0"/>
+              <a:t>Formes complexes</a:t>
+            </a:r>
             <a:endParaRPr lang="fr-BE" dirty="0"/>
           </a:p>
         </p:txBody>
       </p:sp>
       <p:sp>
         <p:nvSpPr>
-          <p:cNvPr id="3" name="Espace réservé du contenu 2"/>
-          <p:cNvSpPr>
-            <a:spLocks noGrp="1"/>
-          </p:cNvSpPr>
-          <p:nvPr>
-            <p:ph idx="1"/>
-          </p:nvPr>
-        </p:nvSpPr>
-        <p:spPr/>
-        <p:txBody>
-          <a:bodyPr/>
-          <a:lstStyle/>
-          <a:p>
-            <a:endParaRPr lang="fr-BE"/>
-          </a:p>
-        </p:txBody>
-      </p:sp>
+          <p:cNvPr id="8" name="Espace réservé du contenu 3"/>
+          <p:cNvSpPr>
+            <a:spLocks noGrp="1"/>
+          </p:cNvSpPr>
+          <p:nvPr>
+            <p:ph sz="half" idx="4294967295"/>
+          </p:nvPr>
+        </p:nvSpPr>
+        <p:spPr>
+          <a:xfrm>
+            <a:off x="1059785" y="1138425"/>
+            <a:ext cx="7739790" cy="916230"/>
+          </a:xfrm>
+          <a:prstGeom prst="rect">
+            <a:avLst/>
+          </a:prstGeom>
+        </p:spPr>
+        <p:txBody>
+          <a:bodyPr>
+            <a:normAutofit/>
+          </a:bodyPr>
+          <a:lstStyle/>
+          <a:p>
+            <a:r>
+              <a:rPr lang="fr-BE" sz="2400" dirty="0" smtClean="0">
+                <a:solidFill>
+                  <a:schemeClr val="bg1"/>
+                </a:solidFill>
+              </a:rPr>
+              <a:t>Possibilité de réutiliser certains points (géométrie indicée) -&gt; optimisation mémoire</a:t>
+            </a:r>
+            <a:endParaRPr lang="fr-BE" sz="2400" dirty="0" smtClean="0">
+              <a:solidFill>
+                <a:schemeClr val="bg1"/>
+              </a:solidFill>
+            </a:endParaRPr>
+          </a:p>
+        </p:txBody>
+      </p:sp>
+      <p:pic>
+        <p:nvPicPr>
+          <p:cNvPr id="9" name="Picture 8"/>
+          <p:cNvPicPr>
+            <a:picLocks noChangeAspect="1"/>
+          </p:cNvPicPr>
+          <p:nvPr/>
+        </p:nvPicPr>
+        <p:blipFill>
+          <a:blip r:embed="rId2">
+            <a:extLst>
+              <a:ext uri="{28A0092B-C50C-407E-A947-70E740481C1C}">
+                <a14:useLocalDpi xmlns:a14="http://schemas.microsoft.com/office/drawing/2010/main" val="0"/>
+              </a:ext>
+            </a:extLst>
+          </a:blip>
+          <a:stretch>
+            <a:fillRect/>
+          </a:stretch>
+        </p:blipFill>
+        <p:spPr>
+          <a:xfrm>
+            <a:off x="2739540" y="2086098"/>
+            <a:ext cx="5497380" cy="4584647"/>
+          </a:xfrm>
+          <a:prstGeom prst="rect">
+            <a:avLst/>
+          </a:prstGeom>
+        </p:spPr>
+      </p:pic>
     </p:spTree>
     <p:extLst>
       <p:ext uri="{BB962C8B-B14F-4D97-AF65-F5344CB8AC3E}">
@@ -6446,6 +7036,554 @@
       </p:grpSpPr>
       <p:sp>
         <p:nvSpPr>
+          <p:cNvPr id="10" name="Title 9"/>
+          <p:cNvSpPr>
+            <a:spLocks noGrp="1"/>
+          </p:cNvSpPr>
+          <p:nvPr>
+            <p:ph type="title"/>
+          </p:nvPr>
+        </p:nvSpPr>
+        <p:spPr>
+          <a:xfrm>
+            <a:off x="448965" y="680310"/>
+            <a:ext cx="8229600" cy="763525"/>
+          </a:xfrm>
+        </p:spPr>
+        <p:txBody>
+          <a:bodyPr>
+            <a:normAutofit/>
+          </a:bodyPr>
+          <a:lstStyle/>
+          <a:p>
+            <a:r>
+              <a:rPr lang="fr-BE" dirty="0" smtClean="0"/>
+              <a:t>Transformations</a:t>
+            </a:r>
+            <a:endParaRPr lang="fr-BE" dirty="0"/>
+          </a:p>
+        </p:txBody>
+      </p:sp>
+      <p:sp>
+        <p:nvSpPr>
+          <p:cNvPr id="12" name="Espace réservé du contenu 3"/>
+          <p:cNvSpPr>
+            <a:spLocks noGrp="1"/>
+          </p:cNvSpPr>
+          <p:nvPr>
+            <p:ph sz="half" idx="2"/>
+          </p:nvPr>
+        </p:nvSpPr>
+        <p:spPr>
+          <a:xfrm>
+            <a:off x="448965" y="2207360"/>
+            <a:ext cx="8398774" cy="2874141"/>
+          </a:xfrm>
+        </p:spPr>
+        <p:txBody>
+          <a:bodyPr>
+            <a:normAutofit/>
+          </a:bodyPr>
+          <a:lstStyle/>
+          <a:p>
+            <a:r>
+              <a:rPr lang="fr-BE" dirty="0" smtClean="0"/>
+              <a:t>Classe « Transform3D »</a:t>
+            </a:r>
+          </a:p>
+          <a:p>
+            <a:pPr marL="0" indent="0">
+              <a:buNone/>
+            </a:pPr>
+            <a:endParaRPr lang="fr-BE" dirty="0"/>
+          </a:p>
+          <a:p>
+            <a:r>
+              <a:rPr lang="fr-BE" dirty="0" smtClean="0"/>
+              <a:t>Toujours associée à un nœud TransformGroup (TransformGroup.addChild(Transform3D)</a:t>
+            </a:r>
+          </a:p>
+          <a:p>
+            <a:pPr marL="0" indent="0">
+              <a:buNone/>
+            </a:pPr>
+            <a:endParaRPr lang="fr-BE" dirty="0" smtClean="0"/>
+          </a:p>
+          <a:p>
+            <a:r>
+              <a:rPr lang="fr-BE" dirty="0" smtClean="0"/>
+              <a:t>Transform3D -&gt; par rapport au centre du repère</a:t>
+            </a:r>
+          </a:p>
+        </p:txBody>
+      </p:sp>
+    </p:spTree>
+    <p:extLst>
+      <p:ext uri="{BB962C8B-B14F-4D97-AF65-F5344CB8AC3E}">
+        <p14:creationId xmlns:p14="http://schemas.microsoft.com/office/powerpoint/2010/main" val="970971354"/>
+      </p:ext>
+    </p:extLst>
+  </p:cSld>
+  <p:clrMapOvr>
+    <a:masterClrMapping/>
+  </p:clrMapOvr>
+</p:sld>
+</file>
+
+<file path=ppt/slides/slide18.xml><?xml version="1.0" encoding="utf-8"?>
+<p:sld xmlns:a="http://schemas.openxmlformats.org/drawingml/2006/main" xmlns:r="http://schemas.openxmlformats.org/officeDocument/2006/relationships" xmlns:p="http://schemas.openxmlformats.org/presentationml/2006/main">
+  <p:cSld>
+    <p:spTree>
+      <p:nvGrpSpPr>
+        <p:cNvPr id="1" name=""/>
+        <p:cNvGrpSpPr/>
+        <p:nvPr/>
+      </p:nvGrpSpPr>
+      <p:grpSpPr>
+        <a:xfrm>
+          <a:off x="0" y="0"/>
+          <a:ext cx="0" cy="0"/>
+          <a:chOff x="0" y="0"/>
+          <a:chExt cx="0" cy="0"/>
+        </a:xfrm>
+      </p:grpSpPr>
+      <p:sp>
+        <p:nvSpPr>
+          <p:cNvPr id="7" name="Title 2"/>
+          <p:cNvSpPr>
+            <a:spLocks noGrp="1"/>
+          </p:cNvSpPr>
+          <p:nvPr>
+            <p:ph type="title"/>
+          </p:nvPr>
+        </p:nvSpPr>
+        <p:spPr>
+          <a:xfrm>
+            <a:off x="2281425" y="222195"/>
+            <a:ext cx="6244435" cy="763525"/>
+          </a:xfrm>
+        </p:spPr>
+        <p:txBody>
+          <a:bodyPr>
+            <a:normAutofit/>
+          </a:bodyPr>
+          <a:lstStyle/>
+          <a:p>
+            <a:r>
+              <a:rPr lang="fr-BE" dirty="0" smtClean="0"/>
+              <a:t>Transformations simples</a:t>
+            </a:r>
+            <a:endParaRPr lang="fr-BE" dirty="0"/>
+          </a:p>
+        </p:txBody>
+      </p:sp>
+      <p:sp>
+        <p:nvSpPr>
+          <p:cNvPr id="8" name="Content Placeholder 4"/>
+          <p:cNvSpPr>
+            <a:spLocks noGrp="1"/>
+          </p:cNvSpPr>
+          <p:nvPr>
+            <p:ph sz="half" idx="4294967295"/>
+          </p:nvPr>
+        </p:nvSpPr>
+        <p:spPr>
+          <a:xfrm>
+            <a:off x="2044132" y="1291130"/>
+            <a:ext cx="6719020" cy="5191970"/>
+          </a:xfrm>
+          <a:prstGeom prst="rect">
+            <a:avLst/>
+          </a:prstGeom>
+        </p:spPr>
+        <p:txBody>
+          <a:bodyPr/>
+          <a:lstStyle/>
+          <a:p>
+            <a:r>
+              <a:rPr lang="fr-BE" sz="2800" dirty="0" smtClean="0">
+                <a:solidFill>
+                  <a:schemeClr val="bg1"/>
+                </a:solidFill>
+              </a:rPr>
+              <a:t>Translation</a:t>
+            </a:r>
+          </a:p>
+          <a:p>
+            <a:pPr lvl="1"/>
+            <a:r>
+              <a:rPr lang="fr-BE" sz="2400" dirty="0" smtClean="0">
+                <a:solidFill>
+                  <a:schemeClr val="bg1"/>
+                </a:solidFill>
+              </a:rPr>
+              <a:t>setTranslation(new Vector3f(0.5f, 0.5f, 0.5f));</a:t>
+            </a:r>
+          </a:p>
+          <a:p>
+            <a:r>
+              <a:rPr lang="fr-BE" sz="2800" dirty="0" smtClean="0">
+                <a:solidFill>
+                  <a:schemeClr val="bg1"/>
+                </a:solidFill>
+              </a:rPr>
+              <a:t>Rotation</a:t>
+            </a:r>
+          </a:p>
+          <a:p>
+            <a:pPr lvl="1"/>
+            <a:r>
+              <a:rPr lang="fr-BE" sz="2400" dirty="0" smtClean="0">
+                <a:solidFill>
+                  <a:schemeClr val="bg1"/>
+                </a:solidFill>
+              </a:rPr>
+              <a:t>Autour d’un axe (X ou Y ou Z) du repère</a:t>
+            </a:r>
+          </a:p>
+          <a:p>
+            <a:pPr lvl="2"/>
+            <a:r>
+              <a:rPr lang="fr-BE" dirty="0">
+                <a:solidFill>
+                  <a:schemeClr val="bg1"/>
+                </a:solidFill>
+              </a:rPr>
+              <a:t>rotX(), rotY(), rotZ</a:t>
+            </a:r>
+            <a:r>
+              <a:rPr lang="fr-BE" dirty="0">
+                <a:solidFill>
+                  <a:schemeClr val="bg1"/>
+                </a:solidFill>
+              </a:rPr>
+              <a:t>()</a:t>
+            </a:r>
+          </a:p>
+          <a:p>
+            <a:pPr lvl="1"/>
+            <a:r>
+              <a:rPr lang="fr-BE" sz="2400" dirty="0" smtClean="0">
+                <a:solidFill>
+                  <a:schemeClr val="bg1"/>
+                </a:solidFill>
+              </a:rPr>
+              <a:t>Autour d’un axe quelconque d’origine (0,0,0)</a:t>
+            </a:r>
+          </a:p>
+          <a:p>
+            <a:pPr lvl="2"/>
+            <a:r>
+              <a:rPr lang="fr-BE" dirty="0">
+                <a:solidFill>
+                  <a:schemeClr val="bg1"/>
+                </a:solidFill>
+              </a:rPr>
+              <a:t>set(new AxisAngle4f(1,1,1,angle</a:t>
+            </a:r>
+            <a:r>
+              <a:rPr lang="fr-BE" dirty="0" smtClean="0">
+                <a:solidFill>
+                  <a:schemeClr val="bg1"/>
+                </a:solidFill>
+              </a:rPr>
+              <a:t>));</a:t>
+            </a:r>
+            <a:endParaRPr lang="fr-BE" sz="1600" dirty="0">
+              <a:solidFill>
+                <a:schemeClr val="bg1"/>
+              </a:solidFill>
+            </a:endParaRPr>
+          </a:p>
+          <a:p>
+            <a:r>
+              <a:rPr lang="fr-BE" sz="2800" dirty="0" smtClean="0">
+                <a:solidFill>
+                  <a:schemeClr val="bg1"/>
+                </a:solidFill>
+              </a:rPr>
+              <a:t>Homothéties</a:t>
+            </a:r>
+          </a:p>
+          <a:p>
+            <a:pPr lvl="1"/>
+            <a:r>
+              <a:rPr lang="fr-BE" sz="2400" dirty="0" smtClean="0">
+                <a:solidFill>
+                  <a:schemeClr val="bg1"/>
+                </a:solidFill>
+              </a:rPr>
+              <a:t>Uniforme : setScale(0.5)</a:t>
+            </a:r>
+          </a:p>
+          <a:p>
+            <a:pPr lvl="1"/>
+            <a:r>
+              <a:rPr lang="fr-BE" sz="2400" dirty="0" smtClean="0">
+                <a:solidFill>
+                  <a:schemeClr val="bg1"/>
+                </a:solidFill>
+              </a:rPr>
+              <a:t>Non uniforme : </a:t>
+            </a:r>
+          </a:p>
+          <a:p>
+            <a:pPr marL="457200" lvl="1" indent="0">
+              <a:buNone/>
+            </a:pPr>
+            <a:r>
+              <a:rPr lang="fr-BE" sz="2400" dirty="0" smtClean="0">
+                <a:solidFill>
+                  <a:schemeClr val="bg1"/>
+                </a:solidFill>
+              </a:rPr>
+              <a:t>	setScale(new Vector3d(0.2, 0.6, 0.8))</a:t>
+            </a:r>
+            <a:endParaRPr lang="fr-BE" sz="2400" dirty="0">
+              <a:solidFill>
+                <a:schemeClr val="bg1"/>
+              </a:solidFill>
+            </a:endParaRPr>
+          </a:p>
+        </p:txBody>
+      </p:sp>
+    </p:spTree>
+    <p:extLst>
+      <p:ext uri="{BB962C8B-B14F-4D97-AF65-F5344CB8AC3E}">
+        <p14:creationId xmlns:p14="http://schemas.microsoft.com/office/powerpoint/2010/main" val="1726599043"/>
+      </p:ext>
+    </p:extLst>
+  </p:cSld>
+  <p:clrMapOvr>
+    <a:masterClrMapping/>
+  </p:clrMapOvr>
+  <p:timing>
+    <p:tnLst>
+      <p:par>
+        <p:cTn id="1" dur="indefinite" restart="never" nodeType="tmRoot"/>
+      </p:par>
+    </p:tnLst>
+  </p:timing>
+</p:sld>
+</file>
+
+<file path=ppt/slides/slide19.xml><?xml version="1.0" encoding="utf-8"?>
+<p:sld xmlns:a="http://schemas.openxmlformats.org/drawingml/2006/main" xmlns:r="http://schemas.openxmlformats.org/officeDocument/2006/relationships" xmlns:p="http://schemas.openxmlformats.org/presentationml/2006/main">
+  <p:cSld>
+    <p:spTree>
+      <p:nvGrpSpPr>
+        <p:cNvPr id="1" name=""/>
+        <p:cNvGrpSpPr/>
+        <p:nvPr/>
+      </p:nvGrpSpPr>
+      <p:grpSpPr>
+        <a:xfrm>
+          <a:off x="0" y="0"/>
+          <a:ext cx="0" cy="0"/>
+          <a:chOff x="0" y="0"/>
+          <a:chExt cx="0" cy="0"/>
+        </a:xfrm>
+      </p:grpSpPr>
+      <p:sp>
+        <p:nvSpPr>
+          <p:cNvPr id="4" name="Title 2"/>
+          <p:cNvSpPr>
+            <a:spLocks noGrp="1"/>
+          </p:cNvSpPr>
+          <p:nvPr>
+            <p:ph type="title"/>
+          </p:nvPr>
+        </p:nvSpPr>
+        <p:spPr>
+          <a:xfrm>
+            <a:off x="2281425" y="222195"/>
+            <a:ext cx="6244435" cy="763525"/>
+          </a:xfrm>
+        </p:spPr>
+        <p:txBody>
+          <a:bodyPr>
+            <a:normAutofit/>
+          </a:bodyPr>
+          <a:lstStyle/>
+          <a:p>
+            <a:r>
+              <a:rPr lang="fr-BE" dirty="0" smtClean="0"/>
+              <a:t>Transformations multiples</a:t>
+            </a:r>
+            <a:endParaRPr lang="fr-BE" dirty="0"/>
+          </a:p>
+        </p:txBody>
+      </p:sp>
+      <p:sp>
+        <p:nvSpPr>
+          <p:cNvPr id="6" name="Content Placeholder 4"/>
+          <p:cNvSpPr>
+            <a:spLocks noGrp="1"/>
+          </p:cNvSpPr>
+          <p:nvPr>
+            <p:ph sz="half" idx="4294967295"/>
+          </p:nvPr>
+        </p:nvSpPr>
+        <p:spPr>
+          <a:xfrm>
+            <a:off x="1766485" y="1291130"/>
+            <a:ext cx="7233959" cy="5191970"/>
+          </a:xfrm>
+          <a:prstGeom prst="rect">
+            <a:avLst/>
+          </a:prstGeom>
+        </p:spPr>
+        <p:txBody>
+          <a:bodyPr>
+            <a:normAutofit/>
+          </a:bodyPr>
+          <a:lstStyle/>
+          <a:p>
+            <a:r>
+              <a:rPr lang="fr-BE" sz="2800" dirty="0">
+                <a:solidFill>
+                  <a:schemeClr val="bg1"/>
+                </a:solidFill>
+              </a:rPr>
+              <a:t>1 TransformGroup</a:t>
+            </a:r>
+          </a:p>
+          <a:p>
+            <a:pPr lvl="1"/>
+            <a:r>
+              <a:rPr lang="fr-BE" sz="2400" dirty="0" smtClean="0">
+                <a:solidFill>
+                  <a:schemeClr val="bg1"/>
+                </a:solidFill>
+              </a:rPr>
+              <a:t>Méthode mul() pour « multiplier » les transformations Transform3D</a:t>
+            </a:r>
+          </a:p>
+          <a:p>
+            <a:pPr marL="457200" lvl="1" indent="0">
+              <a:buNone/>
+            </a:pPr>
+            <a:r>
+              <a:rPr lang="fr-BE" sz="2400" dirty="0" smtClean="0">
+                <a:solidFill>
+                  <a:schemeClr val="bg1"/>
+                </a:solidFill>
+              </a:rPr>
+              <a:t>	transfo1.mul(transfo2</a:t>
+            </a:r>
+            <a:r>
+              <a:rPr lang="fr-BE" sz="2400" dirty="0">
+                <a:solidFill>
+                  <a:schemeClr val="bg1"/>
+                </a:solidFill>
+              </a:rPr>
+              <a:t>) -&gt; transfo 2 puis transfo </a:t>
+            </a:r>
+            <a:endParaRPr lang="fr-BE" sz="2400" dirty="0" smtClean="0">
+              <a:solidFill>
+                <a:schemeClr val="bg1"/>
+              </a:solidFill>
+            </a:endParaRPr>
+          </a:p>
+          <a:p>
+            <a:pPr lvl="1"/>
+            <a:r>
+              <a:rPr lang="fr-BE" sz="2400" dirty="0" smtClean="0">
+                <a:solidFill>
+                  <a:schemeClr val="bg1"/>
+                </a:solidFill>
+              </a:rPr>
+              <a:t>Ajout de la dernière transformation comme fils du TransformGroup</a:t>
+            </a:r>
+          </a:p>
+          <a:p>
+            <a:pPr marL="457200" lvl="1" indent="0">
+              <a:buNone/>
+            </a:pPr>
+            <a:endParaRPr lang="fr-BE" sz="2400" dirty="0" smtClean="0">
+              <a:solidFill>
+                <a:schemeClr val="bg1"/>
+              </a:solidFill>
+            </a:endParaRPr>
+          </a:p>
+          <a:p>
+            <a:r>
+              <a:rPr lang="fr-BE" sz="2800" dirty="0" smtClean="0">
+                <a:solidFill>
+                  <a:schemeClr val="bg1"/>
+                </a:solidFill>
+              </a:rPr>
+              <a:t>2+ TransformGroup</a:t>
+            </a:r>
+          </a:p>
+          <a:p>
+            <a:pPr lvl="1"/>
+            <a:r>
+              <a:rPr lang="fr-BE" sz="2400" dirty="0" smtClean="0">
+                <a:solidFill>
+                  <a:schemeClr val="bg1"/>
+                </a:solidFill>
+              </a:rPr>
+              <a:t>Un TransformGroup par transformation</a:t>
+            </a:r>
+          </a:p>
+          <a:p>
+            <a:pPr lvl="1"/>
+            <a:r>
+              <a:rPr lang="fr-BE" sz="2400" dirty="0" smtClean="0">
+                <a:solidFill>
+                  <a:schemeClr val="bg1"/>
+                </a:solidFill>
+              </a:rPr>
+              <a:t>Ajout de chaque TransformGroup comme fils d’un autre</a:t>
+            </a:r>
+            <a:endParaRPr lang="fr-BE" sz="2400" dirty="0">
+              <a:solidFill>
+                <a:schemeClr val="bg1"/>
+              </a:solidFill>
+            </a:endParaRPr>
+          </a:p>
+        </p:txBody>
+      </p:sp>
+    </p:spTree>
+    <p:extLst>
+      <p:ext uri="{BB962C8B-B14F-4D97-AF65-F5344CB8AC3E}">
+        <p14:creationId xmlns:p14="http://schemas.microsoft.com/office/powerpoint/2010/main" val="1546500345"/>
+      </p:ext>
+    </p:extLst>
+  </p:cSld>
+  <p:clrMapOvr>
+    <a:masterClrMapping/>
+  </p:clrMapOvr>
+  <p:timing>
+    <p:tnLst>
+      <p:par>
+        <p:cTn id="1" dur="indefinite" restart="never" nodeType="tmRoot"/>
+      </p:par>
+    </p:tnLst>
+  </p:timing>
+</p:sld>
+</file>
+
+<file path=ppt/slides/slide2.xml><?xml version="1.0" encoding="utf-8"?>
+<p:sld xmlns:a="http://schemas.openxmlformats.org/drawingml/2006/main" xmlns:r="http://schemas.openxmlformats.org/officeDocument/2006/relationships" xmlns:p="http://schemas.openxmlformats.org/presentationml/2006/main">
+  <p:cSld>
+    <p:spTree>
+      <p:nvGrpSpPr>
+        <p:cNvPr id="1" name=""/>
+        <p:cNvGrpSpPr/>
+        <p:nvPr/>
+      </p:nvGrpSpPr>
+      <p:grpSpPr>
+        <a:xfrm>
+          <a:off x="0" y="0"/>
+          <a:ext cx="0" cy="0"/>
+          <a:chOff x="0" y="0"/>
+          <a:chExt cx="0" cy="0"/>
+        </a:xfrm>
+      </p:grpSpPr>
+      <p:sp>
+        <p:nvSpPr>
           <p:cNvPr id="2" name="Title 1"/>
           <p:cNvSpPr>
             <a:spLocks noGrp="1"/>
@@ -6454,15 +7592,84 @@
             <p:ph type="title"/>
           </p:nvPr>
         </p:nvSpPr>
+        <p:spPr>
+          <a:xfrm>
+            <a:off x="601670" y="527605"/>
+            <a:ext cx="7940659" cy="763524"/>
+          </a:xfrm>
+        </p:spPr>
+        <p:txBody>
+          <a:bodyPr>
+            <a:normAutofit/>
+          </a:bodyPr>
+          <a:lstStyle/>
+          <a:p>
+            <a:r>
+              <a:rPr lang="en-US" dirty="0" smtClean="0"/>
+              <a:t>Slide Title</a:t>
+            </a:r>
+            <a:endParaRPr lang="en-US" dirty="0"/>
+          </a:p>
+        </p:txBody>
+      </p:sp>
+      <p:sp>
+        <p:nvSpPr>
+          <p:cNvPr id="3" name="Content Placeholder 2"/>
+          <p:cNvSpPr>
+            <a:spLocks noGrp="1"/>
+          </p:cNvSpPr>
+          <p:nvPr>
+            <p:ph idx="1"/>
+          </p:nvPr>
+        </p:nvSpPr>
         <p:spPr/>
         <p:txBody>
           <a:bodyPr/>
           <a:lstStyle/>
           <a:p>
             <a:r>
-              <a:rPr lang="en-US" dirty="0" err="1" smtClean="0"/>
-              <a:t>Vocabulaire</a:t>
-            </a:r>
+              <a:rPr lang="en-US" dirty="0" smtClean="0">
+                <a:solidFill>
+                  <a:schemeClr val="bg1"/>
+                </a:solidFill>
+              </a:rPr>
+              <a:t>Make Effective Presentations</a:t>
+            </a:r>
+          </a:p>
+          <a:p>
+            <a:r>
+              <a:rPr lang="en-US" dirty="0" smtClean="0">
+                <a:solidFill>
+                  <a:schemeClr val="bg1"/>
+                </a:solidFill>
+              </a:rPr>
+              <a:t>Using Awesome Backgrounds</a:t>
+            </a:r>
+          </a:p>
+          <a:p>
+            <a:r>
+              <a:rPr lang="en-US" dirty="0" smtClean="0">
+                <a:solidFill>
+                  <a:schemeClr val="bg1"/>
+                </a:solidFill>
+              </a:rPr>
+              <a:t>Engage your Audience</a:t>
+            </a:r>
+          </a:p>
+          <a:p>
+            <a:r>
+              <a:rPr lang="en-US" dirty="0" smtClean="0">
+                <a:solidFill>
+                  <a:schemeClr val="bg1"/>
+                </a:solidFill>
+              </a:rPr>
+              <a:t>Capture Audience Attention</a:t>
+            </a:r>
+          </a:p>
+          <a:p>
+            <a:endParaRPr lang="en-US" dirty="0" smtClean="0"/>
+          </a:p>
+          <a:p>
             <a:endParaRPr lang="en-US" dirty="0"/>
           </a:p>
         </p:txBody>
@@ -6510,62 +7717,10 @@
           </a:extLst>
         </p:spPr>
       </p:pic>
-      <p:sp>
-        <p:nvSpPr>
-          <p:cNvPr id="3" name="Espace réservé du contenu 2"/>
-          <p:cNvSpPr>
-            <a:spLocks noGrp="1"/>
-          </p:cNvSpPr>
-          <p:nvPr>
-            <p:ph idx="1"/>
-          </p:nvPr>
-        </p:nvSpPr>
-        <p:spPr/>
-        <p:txBody>
-          <a:bodyPr/>
-          <a:lstStyle/>
-          <a:p>
-            <a:r>
-              <a:rPr lang="fr-BE" dirty="0" smtClean="0"/>
-              <a:t>Primitive : formes </a:t>
-            </a:r>
-            <a:r>
-              <a:rPr lang="fr-BE" dirty="0"/>
-              <a:t>géométriques de bases, pouvant être créées sur demande par le logiciel, </a:t>
-            </a:r>
-            <a:r>
-              <a:rPr lang="fr-BE" dirty="0" smtClean="0"/>
-              <a:t>mathématiquement </a:t>
-            </a:r>
-            <a:r>
-              <a:rPr lang="fr-BE" dirty="0"/>
-              <a:t>parfaites car régies par des formules mathématiques </a:t>
-            </a:r>
-            <a:endParaRPr lang="fr-BE" dirty="0" smtClean="0"/>
-          </a:p>
-          <a:p>
-            <a:r>
-              <a:rPr lang="fr-BE" dirty="0"/>
-              <a:t>Maillage </a:t>
-            </a:r>
-            <a:r>
-              <a:rPr lang="fr-BE" dirty="0" smtClean="0"/>
-              <a:t>: discrétisation </a:t>
-            </a:r>
-            <a:r>
-              <a:rPr lang="fr-BE" dirty="0"/>
-              <a:t>spatiale d’un milieu continu, ou aussi, une modélisation géométrique d’un domaine par des éléments proportionnés finis et bien définis. </a:t>
-            </a:r>
-          </a:p>
-          <a:p>
-            <a:endParaRPr lang="fr-BE" dirty="0"/>
-          </a:p>
-        </p:txBody>
-      </p:sp>
     </p:spTree>
     <p:extLst>
       <p:ext uri="{BB962C8B-B14F-4D97-AF65-F5344CB8AC3E}">
-        <p14:creationId xmlns:p14="http://schemas.microsoft.com/office/powerpoint/2010/main" val="1848822780"/>
+        <p14:creationId xmlns:p14="http://schemas.microsoft.com/office/powerpoint/2010/main" val="4103309497"/>
       </p:ext>
     </p:extLst>
   </p:cSld>
@@ -6582,7 +7737,7 @@
 </p:sld>
 </file>
 
-<file path=ppt/slides/slide18.xml><?xml version="1.0" encoding="utf-8"?>
+<file path=ppt/slides/slide20.xml><?xml version="1.0" encoding="utf-8"?>
 <p:sld xmlns:a="http://schemas.openxmlformats.org/drawingml/2006/main" xmlns:r="http://schemas.openxmlformats.org/officeDocument/2006/relationships" xmlns:p="http://schemas.openxmlformats.org/presentationml/2006/main">
   <p:cSld>
     <p:spTree>
@@ -6601,7 +7756,7 @@
       </p:grpSpPr>
       <p:sp>
         <p:nvSpPr>
-          <p:cNvPr id="2" name="Titre 1"/>
+          <p:cNvPr id="3" name="Title 2"/>
           <p:cNvSpPr>
             <a:spLocks noGrp="1"/>
           </p:cNvSpPr>
@@ -6614,39 +7769,101 @@
           <a:bodyPr/>
           <a:lstStyle/>
           <a:p>
-            <a:r>
-              <a:rPr lang="fr-BE" dirty="0" smtClean="0"/>
-              <a:t>Bibliographie</a:t>
-            </a:r>
-            <a:endParaRPr lang="fr-BE" dirty="0"/>
-          </a:p>
-        </p:txBody>
-      </p:sp>
-      <p:sp>
-        <p:nvSpPr>
-          <p:cNvPr id="3" name="Espace réservé du contenu 2"/>
-          <p:cNvSpPr>
-            <a:spLocks noGrp="1"/>
-          </p:cNvSpPr>
-          <p:nvPr>
-            <p:ph idx="1"/>
+            <a:endParaRPr lang="fr-BE"/>
+          </a:p>
+        </p:txBody>
+      </p:sp>
+      <p:sp>
+        <p:nvSpPr>
+          <p:cNvPr id="5" name="Content Placeholder 4"/>
+          <p:cNvSpPr>
+            <a:spLocks noGrp="1"/>
+          </p:cNvSpPr>
+          <p:nvPr>
+            <p:ph sz="half" idx="2"/>
           </p:nvPr>
         </p:nvSpPr>
         <p:spPr/>
         <p:txBody>
-          <a:bodyPr>
-            <a:normAutofit/>
-          </a:bodyPr>
-          <a:lstStyle/>
-          <a:p>
-            <a:endParaRPr lang="fr-BE" dirty="0"/>
+          <a:bodyPr/>
+          <a:lstStyle/>
+          <a:p>
+            <a:endParaRPr lang="fr-BE"/>
           </a:p>
         </p:txBody>
       </p:sp>
     </p:spTree>
     <p:extLst>
       <p:ext uri="{BB962C8B-B14F-4D97-AF65-F5344CB8AC3E}">
-        <p14:creationId xmlns:p14="http://schemas.microsoft.com/office/powerpoint/2010/main" val="1411032663"/>
+        <p14:creationId xmlns:p14="http://schemas.microsoft.com/office/powerpoint/2010/main" val="1557306450"/>
+      </p:ext>
+    </p:extLst>
+  </p:cSld>
+  <p:clrMapOvr>
+    <a:masterClrMapping/>
+  </p:clrMapOvr>
+</p:sld>
+</file>
+
+<file path=ppt/slides/slide21.xml><?xml version="1.0" encoding="utf-8"?>
+<p:sld xmlns:a="http://schemas.openxmlformats.org/drawingml/2006/main" xmlns:r="http://schemas.openxmlformats.org/officeDocument/2006/relationships" xmlns:p="http://schemas.openxmlformats.org/presentationml/2006/main">
+  <p:cSld>
+    <p:spTree>
+      <p:nvGrpSpPr>
+        <p:cNvPr id="1" name=""/>
+        <p:cNvGrpSpPr/>
+        <p:nvPr/>
+      </p:nvGrpSpPr>
+      <p:grpSpPr>
+        <a:xfrm>
+          <a:off x="0" y="0"/>
+          <a:ext cx="0" cy="0"/>
+          <a:chOff x="0" y="0"/>
+          <a:chExt cx="0" cy="0"/>
+        </a:xfrm>
+      </p:grpSpPr>
+      <p:sp>
+        <p:nvSpPr>
+          <p:cNvPr id="3" name="Title 2"/>
+          <p:cNvSpPr>
+            <a:spLocks noGrp="1"/>
+          </p:cNvSpPr>
+          <p:nvPr>
+            <p:ph type="title"/>
+          </p:nvPr>
+        </p:nvSpPr>
+        <p:spPr/>
+        <p:txBody>
+          <a:bodyPr/>
+          <a:lstStyle/>
+          <a:p>
+            <a:endParaRPr lang="fr-BE"/>
+          </a:p>
+        </p:txBody>
+      </p:sp>
+      <p:sp>
+        <p:nvSpPr>
+          <p:cNvPr id="5" name="Content Placeholder 4"/>
+          <p:cNvSpPr>
+            <a:spLocks noGrp="1"/>
+          </p:cNvSpPr>
+          <p:nvPr>
+            <p:ph idx="1"/>
+          </p:nvPr>
+        </p:nvSpPr>
+        <p:spPr/>
+        <p:txBody>
+          <a:bodyPr/>
+          <a:lstStyle/>
+          <a:p>
+            <a:endParaRPr lang="fr-BE"/>
+          </a:p>
+        </p:txBody>
+      </p:sp>
+    </p:spTree>
+    <p:extLst>
+      <p:ext uri="{BB962C8B-B14F-4D97-AF65-F5344CB8AC3E}">
+        <p14:creationId xmlns:p14="http://schemas.microsoft.com/office/powerpoint/2010/main" val="542987488"/>
       </p:ext>
     </p:extLst>
   </p:cSld>
@@ -6663,7 +7880,7 @@
 </p:sld>
 </file>
 
-<file path=ppt/slides/slide19.xml><?xml version="1.0" encoding="utf-8"?>
+<file path=ppt/slides/slide22.xml><?xml version="1.0" encoding="utf-8"?>
 <p:sld xmlns:a="http://schemas.openxmlformats.org/drawingml/2006/main" xmlns:r="http://schemas.openxmlformats.org/officeDocument/2006/relationships" xmlns:p="http://schemas.openxmlformats.org/presentationml/2006/main">
   <p:cSld>
     <p:spTree>
@@ -6682,7 +7899,7 @@
       </p:grpSpPr>
       <p:sp>
         <p:nvSpPr>
-          <p:cNvPr id="2" name="Titre 1"/>
+          <p:cNvPr id="2" name="Title 1"/>
           <p:cNvSpPr>
             <a:spLocks noGrp="1"/>
           </p:cNvSpPr>
@@ -6695,209 +7912,10 @@
           <a:bodyPr/>
           <a:lstStyle/>
           <a:p>
-            <a:endParaRPr lang="fr-BE"/>
-          </a:p>
-        </p:txBody>
-      </p:sp>
-      <p:sp>
-        <p:nvSpPr>
-          <p:cNvPr id="3" name="Espace réservé du texte 2"/>
-          <p:cNvSpPr>
-            <a:spLocks noGrp="1"/>
-          </p:cNvSpPr>
-          <p:nvPr>
-            <p:ph type="body" idx="1"/>
-          </p:nvPr>
-        </p:nvSpPr>
-        <p:spPr>
-          <a:xfrm>
-            <a:off x="448965" y="1901949"/>
-            <a:ext cx="8229599" cy="610821"/>
-          </a:xfrm>
-        </p:spPr>
-        <p:txBody>
-          <a:bodyPr/>
-          <a:lstStyle/>
-          <a:p>
-            <a:r>
-              <a:rPr lang="fr-BE" dirty="0" smtClean="0"/>
-              <a:t>Bibliographie</a:t>
-            </a:r>
-            <a:endParaRPr lang="fr-BE" dirty="0"/>
-          </a:p>
-        </p:txBody>
-      </p:sp>
-      <p:sp>
-        <p:nvSpPr>
-          <p:cNvPr id="4" name="Espace réservé du contenu 3"/>
-          <p:cNvSpPr>
-            <a:spLocks noGrp="1"/>
-          </p:cNvSpPr>
-          <p:nvPr>
-            <p:ph sz="half" idx="2"/>
-          </p:nvPr>
-        </p:nvSpPr>
-        <p:spPr>
-          <a:xfrm>
-            <a:off x="601670" y="2778987"/>
-            <a:ext cx="8076895" cy="3551407"/>
-          </a:xfrm>
-        </p:spPr>
-        <p:txBody>
-          <a:bodyPr/>
-          <a:lstStyle/>
-          <a:p>
-            <a:r>
-              <a:rPr lang="fr-BE" dirty="0"/>
-              <a:t>Nicolas JANEY : </a:t>
-            </a:r>
-          </a:p>
-          <a:p>
-            <a:pPr lvl="1"/>
-            <a:r>
-              <a:rPr lang="fr-BE" dirty="0"/>
-              <a:t>LIFC, Département Informatique Université de Franche Comté : http://raphaello.univ-fcomte.fr/IG/Java3D/Java3D.htm</a:t>
-            </a:r>
-          </a:p>
-          <a:p>
-            <a:pPr marL="457200" lvl="1" indent="0">
-              <a:buNone/>
-            </a:pPr>
-            <a:r>
-              <a:rPr lang="fr-BE" dirty="0"/>
-              <a:t>Le site de la communauté Java3D : ✔ https://java3d.dev.java.net/ ➢ Le tutorial Java3D : ✔ http://java.sun.com/developer/onlineTraining/java3d/ </a:t>
-            </a:r>
-          </a:p>
-          <a:p>
-            <a:endParaRPr lang="fr-BE" dirty="0"/>
-          </a:p>
-        </p:txBody>
-      </p:sp>
-    </p:spTree>
-    <p:extLst>
-      <p:ext uri="{BB962C8B-B14F-4D97-AF65-F5344CB8AC3E}">
-        <p14:creationId xmlns:p14="http://schemas.microsoft.com/office/powerpoint/2010/main" val="3969128882"/>
-      </p:ext>
-    </p:extLst>
-  </p:cSld>
-  <p:clrMapOvr>
-    <a:masterClrMapping/>
-  </p:clrMapOvr>
-  <p:timing>
-    <p:tnLst>
-      <p:par>
-        <p:cTn id="1" dur="indefinite" restart="never" nodeType="tmRoot"/>
-      </p:par>
-    </p:tnLst>
-  </p:timing>
-</p:sld>
-</file>
-
-<file path=ppt/slides/slide2.xml><?xml version="1.0" encoding="utf-8"?>
-<p:sld xmlns:a="http://schemas.openxmlformats.org/drawingml/2006/main" xmlns:r="http://schemas.openxmlformats.org/officeDocument/2006/relationships" xmlns:p="http://schemas.openxmlformats.org/presentationml/2006/main">
-  <p:cSld>
-    <p:spTree>
-      <p:nvGrpSpPr>
-        <p:cNvPr id="1" name=""/>
-        <p:cNvGrpSpPr/>
-        <p:nvPr/>
-      </p:nvGrpSpPr>
-      <p:grpSpPr>
-        <a:xfrm>
-          <a:off x="0" y="0"/>
-          <a:ext cx="0" cy="0"/>
-          <a:chOff x="0" y="0"/>
-          <a:chExt cx="0" cy="0"/>
-        </a:xfrm>
-      </p:grpSpPr>
-      <p:sp>
-        <p:nvSpPr>
-          <p:cNvPr id="2" name="Title 1"/>
-          <p:cNvSpPr>
-            <a:spLocks noGrp="1"/>
-          </p:cNvSpPr>
-          <p:nvPr>
-            <p:ph type="title"/>
-          </p:nvPr>
-        </p:nvSpPr>
-        <p:spPr>
-          <a:xfrm>
-            <a:off x="601670" y="527605"/>
-            <a:ext cx="7940659" cy="763524"/>
-          </a:xfrm>
-        </p:spPr>
-        <p:txBody>
-          <a:bodyPr>
-            <a:normAutofit/>
-          </a:bodyPr>
-          <a:lstStyle/>
-          <a:p>
-            <a:r>
-              <a:rPr lang="en-US" dirty="0" smtClean="0"/>
-              <a:t>Slide Title</a:t>
-            </a:r>
-            <a:endParaRPr lang="en-US" dirty="0"/>
-          </a:p>
-        </p:txBody>
-      </p:sp>
-      <p:sp>
-        <p:nvSpPr>
-          <p:cNvPr id="3" name="Content Placeholder 2"/>
-          <p:cNvSpPr>
-            <a:spLocks noGrp="1"/>
-          </p:cNvSpPr>
-          <p:nvPr>
-            <p:ph idx="1"/>
-          </p:nvPr>
-        </p:nvSpPr>
-        <p:spPr/>
-        <p:txBody>
-          <a:bodyPr/>
-          <a:lstStyle/>
-          <a:p>
-            <a:r>
-              <a:rPr lang="en-US" dirty="0" smtClean="0">
-                <a:solidFill>
-                  <a:schemeClr val="bg1"/>
-                </a:solidFill>
-              </a:rPr>
-              <a:t>Make Effective Presentations</a:t>
-            </a:r>
-          </a:p>
-          <a:p>
-            <a:r>
-              <a:rPr lang="en-US" dirty="0" smtClean="0">
-                <a:solidFill>
-                  <a:schemeClr val="bg1"/>
-                </a:solidFill>
-              </a:rPr>
-              <a:t>Using Awesome Backgrounds</a:t>
-            </a:r>
-          </a:p>
-          <a:p>
-            <a:r>
-              <a:rPr lang="en-US" dirty="0" smtClean="0">
-                <a:solidFill>
-                  <a:schemeClr val="bg1"/>
-                </a:solidFill>
-              </a:rPr>
-              <a:t>Engage your Audience</a:t>
-            </a:r>
-          </a:p>
-          <a:p>
-            <a:r>
-              <a:rPr lang="en-US" dirty="0" smtClean="0">
-                <a:solidFill>
-                  <a:schemeClr val="bg1"/>
-                </a:solidFill>
-              </a:rPr>
-              <a:t>Capture Audience Attention</a:t>
-            </a:r>
-          </a:p>
-          <a:p>
-            <a:endParaRPr lang="en-US" dirty="0" smtClean="0"/>
-          </a:p>
-          <a:p>
+            <a:r>
+              <a:rPr lang="en-US" dirty="0" err="1" smtClean="0"/>
+              <a:t>Vocabulaire</a:t>
+            </a:r>
             <a:endParaRPr lang="en-US" dirty="0"/>
           </a:p>
         </p:txBody>
@@ -6945,10 +7963,62 @@
           </a:extLst>
         </p:spPr>
       </p:pic>
+      <p:sp>
+        <p:nvSpPr>
+          <p:cNvPr id="3" name="Espace réservé du contenu 2"/>
+          <p:cNvSpPr>
+            <a:spLocks noGrp="1"/>
+          </p:cNvSpPr>
+          <p:nvPr>
+            <p:ph idx="1"/>
+          </p:nvPr>
+        </p:nvSpPr>
+        <p:spPr/>
+        <p:txBody>
+          <a:bodyPr/>
+          <a:lstStyle/>
+          <a:p>
+            <a:r>
+              <a:rPr lang="fr-BE" dirty="0" smtClean="0"/>
+              <a:t>Primitive : formes </a:t>
+            </a:r>
+            <a:r>
+              <a:rPr lang="fr-BE" dirty="0"/>
+              <a:t>géométriques de bases, pouvant être créées sur demande par le logiciel, </a:t>
+            </a:r>
+            <a:r>
+              <a:rPr lang="fr-BE" dirty="0" smtClean="0"/>
+              <a:t>mathématiquement </a:t>
+            </a:r>
+            <a:r>
+              <a:rPr lang="fr-BE" dirty="0"/>
+              <a:t>parfaites car régies par des formules mathématiques </a:t>
+            </a:r>
+            <a:endParaRPr lang="fr-BE" dirty="0" smtClean="0"/>
+          </a:p>
+          <a:p>
+            <a:r>
+              <a:rPr lang="fr-BE" dirty="0"/>
+              <a:t>Maillage </a:t>
+            </a:r>
+            <a:r>
+              <a:rPr lang="fr-BE" dirty="0" smtClean="0"/>
+              <a:t>: discrétisation </a:t>
+            </a:r>
+            <a:r>
+              <a:rPr lang="fr-BE" dirty="0"/>
+              <a:t>spatiale d’un milieu continu, ou aussi, une modélisation géométrique d’un domaine par des éléments proportionnés finis et bien définis. </a:t>
+            </a:r>
+          </a:p>
+          <a:p>
+            <a:endParaRPr lang="fr-BE" dirty="0"/>
+          </a:p>
+        </p:txBody>
+      </p:sp>
     </p:spTree>
     <p:extLst>
       <p:ext uri="{BB962C8B-B14F-4D97-AF65-F5344CB8AC3E}">
-        <p14:creationId xmlns:p14="http://schemas.microsoft.com/office/powerpoint/2010/main" val="4103309497"/>
+        <p14:creationId xmlns:p14="http://schemas.microsoft.com/office/powerpoint/2010/main" val="1848822780"/>
       </p:ext>
     </p:extLst>
   </p:cSld>
@@ -6965,7 +8035,218 @@
 </p:sld>
 </file>
 
-<file path=ppt/slides/slide20.xml><?xml version="1.0" encoding="utf-8"?>
+<file path=ppt/slides/slide23.xml><?xml version="1.0" encoding="utf-8"?>
+<p:sld xmlns:a="http://schemas.openxmlformats.org/drawingml/2006/main" xmlns:r="http://schemas.openxmlformats.org/officeDocument/2006/relationships" xmlns:p="http://schemas.openxmlformats.org/presentationml/2006/main">
+  <p:cSld>
+    <p:spTree>
+      <p:nvGrpSpPr>
+        <p:cNvPr id="1" name=""/>
+        <p:cNvGrpSpPr/>
+        <p:nvPr/>
+      </p:nvGrpSpPr>
+      <p:grpSpPr>
+        <a:xfrm>
+          <a:off x="0" y="0"/>
+          <a:ext cx="0" cy="0"/>
+          <a:chOff x="0" y="0"/>
+          <a:chExt cx="0" cy="0"/>
+        </a:xfrm>
+      </p:grpSpPr>
+      <p:sp>
+        <p:nvSpPr>
+          <p:cNvPr id="2" name="Titre 1"/>
+          <p:cNvSpPr>
+            <a:spLocks noGrp="1"/>
+          </p:cNvSpPr>
+          <p:nvPr>
+            <p:ph type="title"/>
+          </p:nvPr>
+        </p:nvSpPr>
+        <p:spPr/>
+        <p:txBody>
+          <a:bodyPr/>
+          <a:lstStyle/>
+          <a:p>
+            <a:r>
+              <a:rPr lang="fr-BE" dirty="0" smtClean="0"/>
+              <a:t>Bibliographie</a:t>
+            </a:r>
+            <a:endParaRPr lang="fr-BE" dirty="0"/>
+          </a:p>
+        </p:txBody>
+      </p:sp>
+      <p:sp>
+        <p:nvSpPr>
+          <p:cNvPr id="3" name="Espace réservé du contenu 2"/>
+          <p:cNvSpPr>
+            <a:spLocks noGrp="1"/>
+          </p:cNvSpPr>
+          <p:nvPr>
+            <p:ph idx="1"/>
+          </p:nvPr>
+        </p:nvSpPr>
+        <p:spPr/>
+        <p:txBody>
+          <a:bodyPr>
+            <a:normAutofit/>
+          </a:bodyPr>
+          <a:lstStyle/>
+          <a:p>
+            <a:endParaRPr lang="fr-BE" dirty="0"/>
+          </a:p>
+        </p:txBody>
+      </p:sp>
+    </p:spTree>
+    <p:extLst>
+      <p:ext uri="{BB962C8B-B14F-4D97-AF65-F5344CB8AC3E}">
+        <p14:creationId xmlns:p14="http://schemas.microsoft.com/office/powerpoint/2010/main" val="1411032663"/>
+      </p:ext>
+    </p:extLst>
+  </p:cSld>
+  <p:clrMapOvr>
+    <a:masterClrMapping/>
+  </p:clrMapOvr>
+  <p:timing>
+    <p:tnLst>
+      <p:par>
+        <p:cTn id="1" dur="indefinite" restart="never" nodeType="tmRoot"/>
+      </p:par>
+    </p:tnLst>
+  </p:timing>
+</p:sld>
+</file>
+
+<file path=ppt/slides/slide24.xml><?xml version="1.0" encoding="utf-8"?>
+<p:sld xmlns:a="http://schemas.openxmlformats.org/drawingml/2006/main" xmlns:r="http://schemas.openxmlformats.org/officeDocument/2006/relationships" xmlns:p="http://schemas.openxmlformats.org/presentationml/2006/main">
+  <p:cSld>
+    <p:spTree>
+      <p:nvGrpSpPr>
+        <p:cNvPr id="1" name=""/>
+        <p:cNvGrpSpPr/>
+        <p:nvPr/>
+      </p:nvGrpSpPr>
+      <p:grpSpPr>
+        <a:xfrm>
+          <a:off x="0" y="0"/>
+          <a:ext cx="0" cy="0"/>
+          <a:chOff x="0" y="0"/>
+          <a:chExt cx="0" cy="0"/>
+        </a:xfrm>
+      </p:grpSpPr>
+      <p:sp>
+        <p:nvSpPr>
+          <p:cNvPr id="2" name="Titre 1"/>
+          <p:cNvSpPr>
+            <a:spLocks noGrp="1"/>
+          </p:cNvSpPr>
+          <p:nvPr>
+            <p:ph type="title"/>
+          </p:nvPr>
+        </p:nvSpPr>
+        <p:spPr/>
+        <p:txBody>
+          <a:bodyPr/>
+          <a:lstStyle/>
+          <a:p>
+            <a:endParaRPr lang="fr-BE"/>
+          </a:p>
+        </p:txBody>
+      </p:sp>
+      <p:sp>
+        <p:nvSpPr>
+          <p:cNvPr id="3" name="Espace réservé du texte 2"/>
+          <p:cNvSpPr>
+            <a:spLocks noGrp="1"/>
+          </p:cNvSpPr>
+          <p:nvPr>
+            <p:ph type="body" idx="1"/>
+          </p:nvPr>
+        </p:nvSpPr>
+        <p:spPr>
+          <a:xfrm>
+            <a:off x="448965" y="1901949"/>
+            <a:ext cx="8229599" cy="610821"/>
+          </a:xfrm>
+        </p:spPr>
+        <p:txBody>
+          <a:bodyPr/>
+          <a:lstStyle/>
+          <a:p>
+            <a:r>
+              <a:rPr lang="fr-BE" dirty="0" smtClean="0"/>
+              <a:t>Bibliographie</a:t>
+            </a:r>
+            <a:endParaRPr lang="fr-BE" dirty="0"/>
+          </a:p>
+        </p:txBody>
+      </p:sp>
+      <p:sp>
+        <p:nvSpPr>
+          <p:cNvPr id="4" name="Espace réservé du contenu 3"/>
+          <p:cNvSpPr>
+            <a:spLocks noGrp="1"/>
+          </p:cNvSpPr>
+          <p:nvPr>
+            <p:ph sz="half" idx="2"/>
+          </p:nvPr>
+        </p:nvSpPr>
+        <p:spPr>
+          <a:xfrm>
+            <a:off x="601670" y="2778987"/>
+            <a:ext cx="8076895" cy="3551407"/>
+          </a:xfrm>
+        </p:spPr>
+        <p:txBody>
+          <a:bodyPr/>
+          <a:lstStyle/>
+          <a:p>
+            <a:r>
+              <a:rPr lang="fr-BE" dirty="0"/>
+              <a:t>Nicolas JANEY : </a:t>
+            </a:r>
+          </a:p>
+          <a:p>
+            <a:pPr lvl="1"/>
+            <a:r>
+              <a:rPr lang="fr-BE" dirty="0"/>
+              <a:t>LIFC, Département Informatique Université de Franche Comté : http://raphaello.univ-fcomte.fr/IG/Java3D/Java3D.htm</a:t>
+            </a:r>
+          </a:p>
+          <a:p>
+            <a:pPr marL="457200" lvl="1" indent="0">
+              <a:buNone/>
+            </a:pPr>
+            <a:r>
+              <a:rPr lang="fr-BE" dirty="0"/>
+              <a:t>Le site de la communauté Java3D : ✔ https://java3d.dev.java.net/ ➢ Le tutorial Java3D : ✔ http://java.sun.com/developer/onlineTraining/java3d/ </a:t>
+            </a:r>
+          </a:p>
+          <a:p>
+            <a:endParaRPr lang="fr-BE" dirty="0"/>
+          </a:p>
+        </p:txBody>
+      </p:sp>
+    </p:spTree>
+    <p:extLst>
+      <p:ext uri="{BB962C8B-B14F-4D97-AF65-F5344CB8AC3E}">
+        <p14:creationId xmlns:p14="http://schemas.microsoft.com/office/powerpoint/2010/main" val="3969128882"/>
+      </p:ext>
+    </p:extLst>
+  </p:cSld>
+  <p:clrMapOvr>
+    <a:masterClrMapping/>
+  </p:clrMapOvr>
+  <p:timing>
+    <p:tnLst>
+      <p:par>
+        <p:cTn id="1" dur="indefinite" restart="never" nodeType="tmRoot"/>
+      </p:par>
+    </p:tnLst>
+  </p:timing>
+</p:sld>
+</file>
+
+<file path=ppt/slides/slide25.xml><?xml version="1.0" encoding="utf-8"?>
 <p:sld xmlns:a="http://schemas.openxmlformats.org/drawingml/2006/main" xmlns:r="http://schemas.openxmlformats.org/officeDocument/2006/relationships" xmlns:p="http://schemas.openxmlformats.org/presentationml/2006/main">
   <p:cSld>
     <p:bg>
